--- a/images/theory_analysis/UUID/UUID.pptx
+++ b/images/theory_analysis/UUID/UUID.pptx
@@ -3490,8 +3490,8 @@
         </p:nvSpPr>
         <p:spPr>
           <a:xfrm>
-            <a:off x="2778573" y="2552005"/>
-            <a:ext cx="782971" cy="307777"/>
+            <a:off x="2789814" y="2552005"/>
+            <a:ext cx="697948" cy="461665"/>
           </a:xfrm>
           <a:prstGeom prst="rect">
             <a:avLst/>
@@ -3504,11 +3504,18 @@
           </a:bodyPr>
           <a:lstStyle/>
           <a:p>
-            <a:r>
-              <a:rPr lang="en-US" altLang="ko-KR" sz="1400"/>
+            <a:pPr algn="ctr"/>
+            <a:r>
+              <a:rPr lang="en-US" altLang="ko-KR" sz="1200"/>
               <a:t>Version</a:t>
             </a:r>
-            <a:endParaRPr lang="ko-KR" altLang="en-US" sz="1400"/>
+          </a:p>
+          <a:p>
+            <a:pPr algn="ctr"/>
+            <a:r>
+              <a:rPr lang="en-US" altLang="ko-KR" sz="1200"/>
+              <a:t>(4Bit)</a:t>
+            </a:r>
           </a:p>
         </p:txBody>
       </p:sp>
@@ -3527,7 +3534,7 @@
         <p:spPr>
           <a:xfrm>
             <a:off x="3705560" y="2552004"/>
-            <a:ext cx="749436" cy="307777"/>
+            <a:ext cx="1117037" cy="461665"/>
           </a:xfrm>
           <a:prstGeom prst="rect">
             <a:avLst/>
@@ -3540,11 +3547,19 @@
           </a:bodyPr>
           <a:lstStyle/>
           <a:p>
-            <a:r>
-              <a:rPr lang="en-US" altLang="ko-KR" sz="1400"/>
+            <a:pPr algn="ctr"/>
+            <a:r>
+              <a:rPr lang="en-US" altLang="ko-KR" sz="1200"/>
               <a:t>Varient</a:t>
             </a:r>
-            <a:endParaRPr lang="ko-KR" altLang="en-US" sz="1400"/>
+          </a:p>
+          <a:p>
+            <a:pPr algn="ctr"/>
+            <a:r>
+              <a:rPr lang="en-US" altLang="ko-KR" sz="1200"/>
+              <a:t>(3Bit in front)</a:t>
+            </a:r>
+            <a:endParaRPr lang="ko-KR" altLang="en-US" sz="1200"/>
           </a:p>
         </p:txBody>
       </p:sp>
@@ -3565,8 +3580,8 @@
         </p:nvCxnSpPr>
         <p:spPr>
           <a:xfrm flipH="1">
-            <a:off x="3170059" y="2397543"/>
-            <a:ext cx="160783" cy="154462"/>
+            <a:off x="3138788" y="2397543"/>
+            <a:ext cx="209076" cy="154462"/>
           </a:xfrm>
           <a:prstGeom prst="straightConnector1">
             <a:avLst/>
@@ -3612,7 +3627,7 @@
         <p:spPr>
           <a:xfrm>
             <a:off x="3886721" y="2397543"/>
-            <a:ext cx="193557" cy="154461"/>
+            <a:ext cx="377358" cy="154461"/>
           </a:xfrm>
           <a:prstGeom prst="straightConnector1">
             <a:avLst/>
